--- a/public/dokumen/Prosedur TA.pptx
+++ b/public/dokumen/Prosedur TA.pptx
@@ -289,7 +289,7 @@
       </p15:sldGuideLst>
     </p:ext>
     <p:ext uri="http://customooxmlschemas.google.com/">
-      <go:slidesCustomData xmlns:go="http://customooxmlschemas.google.com/" xmlns:ahyp="http://schemas.microsoft.com/office/drawing/2018/hyperlinkcolor" xmlns:p15="http://schemas.microsoft.com/office/powerpoint/2012/main" xmlns:p14="http://schemas.microsoft.com/office/powerpoint/2010/main" xmlns:com="http://schemas.openxmlformats.org/drawingml/2006/compatibility" xmlns:pvml="urn:schemas-microsoft-com:office:powerpoint" xmlns:v="urn:schemas-microsoft-com:vml" xmlns:o="urn:schemas-microsoft-com:office:office" xmlns:dgm="http://schemas.openxmlformats.org/drawingml/2006/diagram" xmlns:c="http://schemas.openxmlformats.org/drawingml/2006/chart" xmlns:mv="urn:schemas-microsoft-com:mac:vml" xmlns:mc="http://schemas.openxmlformats.org/markup-compatibility/2006" xmlns="" r:id="rId25" roundtripDataSignature="AMtx7mgbi1uxvnRdDdVc5IWtILZgSk1JOQ=="/>
+      <go:slidesCustomData xmlns="" xmlns:mc="http://schemas.openxmlformats.org/markup-compatibility/2006" xmlns:mv="urn:schemas-microsoft-com:mac:vml" xmlns:c="http://schemas.openxmlformats.org/drawingml/2006/chart" xmlns:dgm="http://schemas.openxmlformats.org/drawingml/2006/diagram" xmlns:o="urn:schemas-microsoft-com:office:office" xmlns:v="urn:schemas-microsoft-com:vml" xmlns:pvml="urn:schemas-microsoft-com:office:powerpoint" xmlns:com="http://schemas.openxmlformats.org/drawingml/2006/compatibility" xmlns:p14="http://schemas.microsoft.com/office/powerpoint/2010/main" xmlns:p15="http://schemas.microsoft.com/office/powerpoint/2012/main" xmlns:ahyp="http://schemas.microsoft.com/office/drawing/2018/hyperlinkcolor" xmlns:go="http://customooxmlschemas.google.com/" r:id="rId25" roundtripDataSignature="AMtx7mgbi1uxvnRdDdVc5IWtILZgSk1JOQ=="/>
     </p:ext>
   </p:extLst>
 </p:presentation>
@@ -12736,64 +12736,6 @@
           </a:ln>
         </p:spPr>
       </p:cxnSp>
-      <p:sp>
-        <p:nvSpPr>
-          <p:cNvPr id="194" name="Google Shape;194;p11"/>
-          <p:cNvSpPr txBox="1"/>
-          <p:nvPr/>
-        </p:nvSpPr>
-        <p:spPr>
-          <a:xfrm>
-            <a:off x="5492780" y="3903718"/>
-            <a:ext cx="896534" cy="307777"/>
-          </a:xfrm>
-          <a:prstGeom prst="rect">
-            <a:avLst/>
-          </a:prstGeom>
-          <a:noFill/>
-          <a:ln>
-            <a:noFill/>
-          </a:ln>
-        </p:spPr>
-        <p:txBody>
-          <a:bodyPr spcFirstLastPara="1" wrap="square" lIns="91425" tIns="45700" rIns="91425" bIns="45700" anchor="t" anchorCtr="0">
-            <a:spAutoFit/>
-          </a:bodyPr>
-          <a:lstStyle/>
-          <a:p>
-            <a:pPr marL="0" marR="0" lvl="0" indent="0" algn="ctr" rtl="0">
-              <a:spcBef>
-                <a:spcPts val="0"/>
-              </a:spcBef>
-              <a:spcAft>
-                <a:spcPts val="0"/>
-              </a:spcAft>
-              <a:buNone/>
-            </a:pPr>
-            <a:r>
-              <a:rPr lang="id-ID" sz="1400" b="0" i="0" u="none" strike="noStrike" cap="none">
-                <a:solidFill>
-                  <a:schemeClr val="accent3"/>
-                </a:solidFill>
-                <a:latin typeface="Arial"/>
-                <a:ea typeface="Arial"/>
-                <a:cs typeface="Arial"/>
-                <a:sym typeface="Arial"/>
-              </a:rPr>
-              <a:t>TIDAK</a:t>
-            </a:r>
-            <a:endParaRPr sz="1400" b="0" i="0" u="none" strike="noStrike" cap="none">
-              <a:solidFill>
-                <a:schemeClr val="accent3"/>
-              </a:solidFill>
-              <a:latin typeface="Arial"/>
-              <a:ea typeface="Arial"/>
-              <a:cs typeface="Arial"/>
-              <a:sym typeface="Arial"/>
-            </a:endParaRPr>
-          </a:p>
-        </p:txBody>
-      </p:sp>
       <p:sp>
         <p:nvSpPr>
           <p:cNvPr id="195" name="Google Shape;195;p11"/>
@@ -15201,14 +15143,14 @@
                         <a:buNone/>
                       </a:pPr>
                       <a:r>
-                        <a:rPr lang="id-ID" sz="1800" u="none" strike="noStrike" cap="none">
+                        <a:rPr lang="id-ID" sz="1800" u="none" strike="noStrike" cap="none" dirty="0">
                           <a:solidFill>
                             <a:schemeClr val="lt1"/>
                           </a:solidFill>
                         </a:rPr>
                         <a:t>Pembimbing 1</a:t>
                       </a:r>
-                      <a:endParaRPr sz="1800" u="none" strike="noStrike" cap="none">
+                      <a:endParaRPr sz="1800" u="none" strike="noStrike" cap="none" dirty="0">
                         <a:solidFill>
                           <a:schemeClr val="lt1"/>
                         </a:solidFill>
@@ -15270,10 +15212,10 @@
                         <a:buNone/>
                       </a:pPr>
                       <a:r>
-                        <a:rPr lang="id-ID" sz="1800" u="none" strike="noStrike" cap="none"/>
+                        <a:rPr lang="id-ID" sz="1800" u="none" strike="noStrike" cap="none" dirty="0"/>
                         <a:t>Dosen Aktif di Departemen Teknologi Informasi yang akademik memenuhi syarat sebagai pembimbing Tugas Akhir</a:t>
                       </a:r>
-                      <a:endParaRPr/>
+                      <a:endParaRPr dirty="0"/>
                     </a:p>
                   </a:txBody>
                   <a:tcPr marL="91450" marR="91450" marT="45725" marB="45725"/>
@@ -15293,10 +15235,10 @@
                         <a:buNone/>
                       </a:pPr>
                       <a:r>
-                        <a:rPr lang="id-ID" sz="1800"/>
+                        <a:rPr lang="id-ID" sz="1800" dirty="0"/>
                         <a:t>Orang yang berkompeten dengan tema TA</a:t>
                       </a:r>
-                      <a:endParaRPr sz="1800"/>
+                      <a:endParaRPr sz="1800" dirty="0"/>
                     </a:p>
                   </a:txBody>
                   <a:tcPr marL="91450" marR="91450" marT="45725" marB="45725"/>
@@ -15350,14 +15292,14 @@
                         <a:buNone/>
                       </a:pPr>
                       <a:r>
-                        <a:rPr lang="id-ID" sz="1800" b="1"/>
+                        <a:rPr lang="id-ID" sz="1800" b="1" dirty="0"/>
                         <a:t>BOLEH</a:t>
                       </a:r>
                       <a:r>
-                        <a:rPr lang="id-ID" sz="1800" b="0"/>
+                        <a:rPr lang="id-ID" sz="1800" b="0" dirty="0"/>
                         <a:t> dosen luar biasa</a:t>
                       </a:r>
-                      <a:endParaRPr/>
+                      <a:endParaRPr dirty="0"/>
                     </a:p>
                   </a:txBody>
                   <a:tcPr marL="91450" marR="91450" marT="45725" marB="45725"/>
@@ -15411,14 +15353,14 @@
                         <a:buNone/>
                       </a:pPr>
                       <a:r>
-                        <a:rPr lang="id-ID" sz="1800" b="1"/>
+                        <a:rPr lang="id-ID" sz="1800" b="1" dirty="0"/>
                         <a:t>BOLEH</a:t>
                       </a:r>
                       <a:r>
-                        <a:rPr lang="id-ID" sz="1800" b="0"/>
+                        <a:rPr lang="id-ID" sz="1800" b="0" dirty="0"/>
                         <a:t> dosen dari luar departemen/institusi</a:t>
                       </a:r>
-                      <a:endParaRPr sz="1800" b="1"/>
+                      <a:endParaRPr sz="1800" b="1" dirty="0"/>
                     </a:p>
                   </a:txBody>
                   <a:tcPr marL="91450" marR="91450" marT="45725" marB="45725"/>
@@ -15476,18 +15418,18 @@
                         <a:buNone/>
                       </a:pPr>
                       <a:r>
-                        <a:rPr lang="id-ID" sz="1800" b="1"/>
+                        <a:rPr lang="id-ID" sz="1800" b="1" dirty="0"/>
                         <a:t>Tidak harus dosen </a:t>
                       </a:r>
                       <a:r>
-                        <a:rPr lang="id-ID" sz="1800"/>
+                        <a:rPr lang="id-ID" sz="1800" dirty="0"/>
                         <a:t>(bisa pakar atau orang yang berkompeten sesuai bidangnya) dengan persetujuan </a:t>
                       </a:r>
                       <a:r>
-                        <a:rPr lang="id-ID" sz="1800" b="1"/>
+                        <a:rPr lang="id-ID" sz="1800" b="1" dirty="0"/>
                         <a:t>Departemen</a:t>
                       </a:r>
-                      <a:endParaRPr sz="1800" b="1"/>
+                      <a:endParaRPr sz="1800" b="1" dirty="0"/>
                     </a:p>
                   </a:txBody>
                   <a:tcPr marL="91450" marR="91450" marT="45725" marB="45725"/>
